--- a/images/PPT.pptx
+++ b/images/PPT.pptx
@@ -107,6 +107,11 @@
       </a:defRPr>
     </a:lvl9pPr>
   </p:defaultTextStyle>
+  <p:extLst>
+    <p:ext uri="{EFAFB233-063F-42B5-8137-9DF3F51BA10A}">
+      <p15:sldGuideLst xmlns:p15="http://schemas.microsoft.com/office/powerpoint/2012/main"/>
+    </p:ext>
+  </p:extLst>
 </p:presentation>
 </file>
 
@@ -192,7 +197,7 @@
           <a:p>
             <a:fld id="{17402AD4-095C-C54F-8000-CC3AF8A2B107}" type="datetimeFigureOut">
               <a:rPr lang="de-DE" smtClean="0"/>
-              <a:t>29.09.17</a:t>
+              <a:t>28.11.17</a:t>
             </a:fld>
             <a:endParaRPr lang="de-DE"/>
           </a:p>
@@ -681,7 +686,7 @@
           <a:p>
             <a:fld id="{02F800B1-B3A3-324D-A9B0-89AD8A9E6CD6}" type="datetimeFigureOut">
               <a:rPr lang="de-DE" smtClean="0"/>
-              <a:t>27.09.17</a:t>
+              <a:t>28.11.17</a:t>
             </a:fld>
             <a:endParaRPr lang="de-DE"/>
           </a:p>
@@ -851,7 +856,7 @@
           <a:p>
             <a:fld id="{02F800B1-B3A3-324D-A9B0-89AD8A9E6CD6}" type="datetimeFigureOut">
               <a:rPr lang="de-DE" smtClean="0"/>
-              <a:t>27.09.17</a:t>
+              <a:t>28.11.17</a:t>
             </a:fld>
             <a:endParaRPr lang="de-DE"/>
           </a:p>
@@ -1031,7 +1036,7 @@
           <a:p>
             <a:fld id="{02F800B1-B3A3-324D-A9B0-89AD8A9E6CD6}" type="datetimeFigureOut">
               <a:rPr lang="de-DE" smtClean="0"/>
-              <a:t>27.09.17</a:t>
+              <a:t>28.11.17</a:t>
             </a:fld>
             <a:endParaRPr lang="de-DE"/>
           </a:p>
@@ -1417,7 +1422,7 @@
           <a:p>
             <a:fld id="{02F800B1-B3A3-324D-A9B0-89AD8A9E6CD6}" type="datetimeFigureOut">
               <a:rPr lang="de-DE" smtClean="0"/>
-              <a:t>27.09.17</a:t>
+              <a:t>28.11.17</a:t>
             </a:fld>
             <a:endParaRPr lang="de-DE"/>
           </a:p>
@@ -1663,7 +1668,7 @@
           <a:p>
             <a:fld id="{02F800B1-B3A3-324D-A9B0-89AD8A9E6CD6}" type="datetimeFigureOut">
               <a:rPr lang="de-DE" smtClean="0"/>
-              <a:t>27.09.17</a:t>
+              <a:t>28.11.17</a:t>
             </a:fld>
             <a:endParaRPr lang="de-DE"/>
           </a:p>
@@ -1895,7 +1900,7 @@
           <a:p>
             <a:fld id="{02F800B1-B3A3-324D-A9B0-89AD8A9E6CD6}" type="datetimeFigureOut">
               <a:rPr lang="de-DE" smtClean="0"/>
-              <a:t>27.09.17</a:t>
+              <a:t>28.11.17</a:t>
             </a:fld>
             <a:endParaRPr lang="de-DE"/>
           </a:p>
@@ -2262,7 +2267,7 @@
           <a:p>
             <a:fld id="{02F800B1-B3A3-324D-A9B0-89AD8A9E6CD6}" type="datetimeFigureOut">
               <a:rPr lang="de-DE" smtClean="0"/>
-              <a:t>27.09.17</a:t>
+              <a:t>28.11.17</a:t>
             </a:fld>
             <a:endParaRPr lang="de-DE"/>
           </a:p>
@@ -2380,7 +2385,7 @@
           <a:p>
             <a:fld id="{02F800B1-B3A3-324D-A9B0-89AD8A9E6CD6}" type="datetimeFigureOut">
               <a:rPr lang="de-DE" smtClean="0"/>
-              <a:t>27.09.17</a:t>
+              <a:t>28.11.17</a:t>
             </a:fld>
             <a:endParaRPr lang="de-DE"/>
           </a:p>
@@ -2475,7 +2480,7 @@
           <a:p>
             <a:fld id="{02F800B1-B3A3-324D-A9B0-89AD8A9E6CD6}" type="datetimeFigureOut">
               <a:rPr lang="de-DE" smtClean="0"/>
-              <a:t>27.09.17</a:t>
+              <a:t>28.11.17</a:t>
             </a:fld>
             <a:endParaRPr lang="de-DE"/>
           </a:p>
@@ -2752,7 +2757,7 @@
           <a:p>
             <a:fld id="{02F800B1-B3A3-324D-A9B0-89AD8A9E6CD6}" type="datetimeFigureOut">
               <a:rPr lang="de-DE" smtClean="0"/>
-              <a:t>27.09.17</a:t>
+              <a:t>28.11.17</a:t>
             </a:fld>
             <a:endParaRPr lang="de-DE"/>
           </a:p>
@@ -3005,7 +3010,7 @@
           <a:p>
             <a:fld id="{02F800B1-B3A3-324D-A9B0-89AD8A9E6CD6}" type="datetimeFigureOut">
               <a:rPr lang="de-DE" smtClean="0"/>
-              <a:t>27.09.17</a:t>
+              <a:t>28.11.17</a:t>
             </a:fld>
             <a:endParaRPr lang="de-DE"/>
           </a:p>
@@ -3218,7 +3223,7 @@
           <a:p>
             <a:fld id="{02F800B1-B3A3-324D-A9B0-89AD8A9E6CD6}" type="datetimeFigureOut">
               <a:rPr lang="de-DE" smtClean="0"/>
-              <a:t>27.09.17</a:t>
+              <a:t>28.11.17</a:t>
             </a:fld>
             <a:endParaRPr lang="de-DE"/>
           </a:p>
@@ -3729,7 +3734,7 @@
         <p:spPr>
           <a:xfrm>
             <a:off x="1191212" y="1052362"/>
-            <a:ext cx="1019831" cy="646331"/>
+            <a:ext cx="1299074" cy="646331"/>
           </a:xfrm>
           <a:prstGeom prst="rect">
             <a:avLst/>
@@ -3746,11 +3751,11 @@
           <a:lstStyle/>
           <a:p>
             <a:r>
-              <a:rPr lang="en-US" sz="2100" b="1" kern="0" spc="-30" dirty="0" err="1">
+              <a:rPr lang="en-US" sz="2100" b="1" kern="0" spc="-30" dirty="0" smtClean="0">
                 <a:latin typeface="Arial"/>
                 <a:cs typeface="Arial"/>
               </a:rPr>
-              <a:t>Bluemix</a:t>
+              <a:t>IBM Cloud</a:t>
             </a:r>
             <a:r>
               <a:rPr lang="en-US" sz="2100" b="1" kern="0" spc="-30" dirty="0">
@@ -4299,10 +4304,6 @@
               <a:rPr lang="en-US" dirty="0" smtClean="0"/>
               <a:t>Taxi data anomaly detection with</a:t>
             </a:r>
-            <a:r>
-              <a:rPr lang="en-US" dirty="0" smtClean="0"/>
-              <a:t/>
-            </a:r>
             <a:br>
               <a:rPr lang="en-US" dirty="0" smtClean="0"/>
             </a:br>
@@ -4425,6 +4426,135 @@
               <a:t>Hands-on Lab - Analytics  </a:t>
             </a:r>
             <a:endParaRPr lang="en-US" b="1" dirty="0"/>
+          </a:p>
+        </p:txBody>
+      </p:sp>
+      <p:pic>
+        <p:nvPicPr>
+          <p:cNvPr id="2" name="Bild 1"/>
+          <p:cNvPicPr>
+            <a:picLocks noChangeAspect="1"/>
+          </p:cNvPicPr>
+          <p:nvPr/>
+        </p:nvPicPr>
+        <p:blipFill>
+          <a:blip r:embed="rId7"/>
+          <a:stretch>
+            <a:fillRect/>
+          </a:stretch>
+        </p:blipFill>
+        <p:spPr>
+          <a:xfrm>
+            <a:off x="8488168" y="5196894"/>
+            <a:ext cx="736600" cy="698500"/>
+          </a:xfrm>
+          <a:prstGeom prst="rect">
+            <a:avLst/>
+          </a:prstGeom>
+        </p:spPr>
+      </p:pic>
+      <p:cxnSp>
+        <p:nvCxnSpPr>
+          <p:cNvPr id="25" name="Straight Arrow Connector 27"/>
+          <p:cNvCxnSpPr/>
+          <p:nvPr/>
+        </p:nvCxnSpPr>
+        <p:spPr>
+          <a:xfrm>
+            <a:off x="8856468" y="4250938"/>
+            <a:ext cx="0" cy="945956"/>
+          </a:xfrm>
+          <a:prstGeom prst="straightConnector1">
+            <a:avLst/>
+          </a:prstGeom>
+          <a:ln w="63500" cap="flat">
+            <a:tailEnd type="arrow"/>
+          </a:ln>
+        </p:spPr>
+        <p:style>
+          <a:lnRef idx="2">
+            <a:schemeClr val="accent1"/>
+          </a:lnRef>
+          <a:fillRef idx="0">
+            <a:schemeClr val="accent1"/>
+          </a:fillRef>
+          <a:effectRef idx="1">
+            <a:schemeClr val="accent1"/>
+          </a:effectRef>
+          <a:fontRef idx="minor">
+            <a:schemeClr val="tx1"/>
+          </a:fontRef>
+        </p:style>
+      </p:cxnSp>
+      <p:sp>
+        <p:nvSpPr>
+          <p:cNvPr id="29" name="Textfeld 28"/>
+          <p:cNvSpPr txBox="1"/>
+          <p:nvPr/>
+        </p:nvSpPr>
+        <p:spPr>
+          <a:xfrm>
+            <a:off x="8112514" y="5867490"/>
+            <a:ext cx="1487908" cy="369332"/>
+          </a:xfrm>
+          <a:prstGeom prst="rect">
+            <a:avLst/>
+          </a:prstGeom>
+          <a:noFill/>
+        </p:spPr>
+        <p:txBody>
+          <a:bodyPr wrap="none" rtlCol="0">
+            <a:spAutoFit/>
+          </a:bodyPr>
+          <a:lstStyle/>
+          <a:p>
+            <a:r>
+              <a:rPr lang="en-US" b="1" smtClean="0">
+                <a:solidFill>
+                  <a:srgbClr val="002060"/>
+                </a:solidFill>
+              </a:rPr>
+              <a:t>Apache Spark</a:t>
+            </a:r>
+            <a:endParaRPr lang="en-US" b="1" dirty="0">
+              <a:solidFill>
+                <a:srgbClr val="002060"/>
+              </a:solidFill>
+            </a:endParaRPr>
+          </a:p>
+        </p:txBody>
+      </p:sp>
+      <p:sp>
+        <p:nvSpPr>
+          <p:cNvPr id="33" name="Textfeld 32"/>
+          <p:cNvSpPr txBox="1"/>
+          <p:nvPr/>
+        </p:nvSpPr>
+        <p:spPr>
+          <a:xfrm>
+            <a:off x="9016959" y="4676265"/>
+            <a:ext cx="1685077" cy="307777"/>
+          </a:xfrm>
+          <a:prstGeom prst="rect">
+            <a:avLst/>
+          </a:prstGeom>
+          <a:noFill/>
+        </p:spPr>
+        <p:txBody>
+          <a:bodyPr wrap="none" rtlCol="0">
+            <a:spAutoFit/>
+          </a:bodyPr>
+          <a:lstStyle/>
+          <a:p>
+            <a:r>
+              <a:rPr lang="en-US" sz="1400" i="1" u="sng" smtClean="0"/>
+              <a:t>Using the </a:t>
+            </a:r>
+            <a:r>
+              <a:rPr lang="en-US" sz="1400" i="1" u="sng" dirty="0" smtClean="0"/>
+              <a:t>Notebook</a:t>
+            </a:r>
+            <a:endParaRPr lang="en-US" sz="1400" i="1" u="sng" dirty="0"/>
           </a:p>
         </p:txBody>
       </p:sp>
